--- a/graphics/Thesis/Chapter3/Figure3.pptx
+++ b/graphics/Thesis/Chapter3/Figure3.pptx
@@ -104,6 +104,11 @@
       </a:defRPr>
     </a:lvl9pPr>
   </p:defaultTextStyle>
+  <p:extLst>
+    <p:ext uri="{EFAFB233-063F-42B5-8137-9DF3F51BA10A}">
+      <p15:sldGuideLst xmlns:p15="http://schemas.microsoft.com/office/powerpoint/2012/main"/>
+    </p:ext>
+  </p:extLst>
 </p:presentation>
 </file>
 
@@ -238,7 +243,7 @@
           <a:p>
             <a:fld id="{D6D401BD-2ABA-40E8-AA63-A04A1526DD2D}" type="datetimeFigureOut">
               <a:rPr lang="en-US" smtClean="0"/>
-              <a:t>6/6/2020</a:t>
+              <a:t>6/10/2020</a:t>
             </a:fld>
             <a:endParaRPr lang="en-US"/>
           </a:p>
@@ -408,7 +413,7 @@
           <a:p>
             <a:fld id="{D6D401BD-2ABA-40E8-AA63-A04A1526DD2D}" type="datetimeFigureOut">
               <a:rPr lang="en-US" smtClean="0"/>
-              <a:t>6/6/2020</a:t>
+              <a:t>6/10/2020</a:t>
             </a:fld>
             <a:endParaRPr lang="en-US"/>
           </a:p>
@@ -588,7 +593,7 @@
           <a:p>
             <a:fld id="{D6D401BD-2ABA-40E8-AA63-A04A1526DD2D}" type="datetimeFigureOut">
               <a:rPr lang="en-US" smtClean="0"/>
-              <a:t>6/6/2020</a:t>
+              <a:t>6/10/2020</a:t>
             </a:fld>
             <a:endParaRPr lang="en-US"/>
           </a:p>
@@ -758,7 +763,7 @@
           <a:p>
             <a:fld id="{D6D401BD-2ABA-40E8-AA63-A04A1526DD2D}" type="datetimeFigureOut">
               <a:rPr lang="en-US" smtClean="0"/>
-              <a:t>6/6/2020</a:t>
+              <a:t>6/10/2020</a:t>
             </a:fld>
             <a:endParaRPr lang="en-US"/>
           </a:p>
@@ -1004,7 +1009,7 @@
           <a:p>
             <a:fld id="{D6D401BD-2ABA-40E8-AA63-A04A1526DD2D}" type="datetimeFigureOut">
               <a:rPr lang="en-US" smtClean="0"/>
-              <a:t>6/6/2020</a:t>
+              <a:t>6/10/2020</a:t>
             </a:fld>
             <a:endParaRPr lang="en-US"/>
           </a:p>
@@ -1236,7 +1241,7 @@
           <a:p>
             <a:fld id="{D6D401BD-2ABA-40E8-AA63-A04A1526DD2D}" type="datetimeFigureOut">
               <a:rPr lang="en-US" smtClean="0"/>
-              <a:t>6/6/2020</a:t>
+              <a:t>6/10/2020</a:t>
             </a:fld>
             <a:endParaRPr lang="en-US"/>
           </a:p>
@@ -1603,7 +1608,7 @@
           <a:p>
             <a:fld id="{D6D401BD-2ABA-40E8-AA63-A04A1526DD2D}" type="datetimeFigureOut">
               <a:rPr lang="en-US" smtClean="0"/>
-              <a:t>6/6/2020</a:t>
+              <a:t>6/10/2020</a:t>
             </a:fld>
             <a:endParaRPr lang="en-US"/>
           </a:p>
@@ -1721,7 +1726,7 @@
           <a:p>
             <a:fld id="{D6D401BD-2ABA-40E8-AA63-A04A1526DD2D}" type="datetimeFigureOut">
               <a:rPr lang="en-US" smtClean="0"/>
-              <a:t>6/6/2020</a:t>
+              <a:t>6/10/2020</a:t>
             </a:fld>
             <a:endParaRPr lang="en-US"/>
           </a:p>
@@ -1816,7 +1821,7 @@
           <a:p>
             <a:fld id="{D6D401BD-2ABA-40E8-AA63-A04A1526DD2D}" type="datetimeFigureOut">
               <a:rPr lang="en-US" smtClean="0"/>
-              <a:t>6/6/2020</a:t>
+              <a:t>6/10/2020</a:t>
             </a:fld>
             <a:endParaRPr lang="en-US"/>
           </a:p>
@@ -2093,7 +2098,7 @@
           <a:p>
             <a:fld id="{D6D401BD-2ABA-40E8-AA63-A04A1526DD2D}" type="datetimeFigureOut">
               <a:rPr lang="en-US" smtClean="0"/>
-              <a:t>6/6/2020</a:t>
+              <a:t>6/10/2020</a:t>
             </a:fld>
             <a:endParaRPr lang="en-US"/>
           </a:p>
@@ -2346,7 +2351,7 @@
           <a:p>
             <a:fld id="{D6D401BD-2ABA-40E8-AA63-A04A1526DD2D}" type="datetimeFigureOut">
               <a:rPr lang="en-US" smtClean="0"/>
-              <a:t>6/6/2020</a:t>
+              <a:t>6/10/2020</a:t>
             </a:fld>
             <a:endParaRPr lang="en-US"/>
           </a:p>
@@ -2559,7 +2564,7 @@
           <a:p>
             <a:fld id="{D6D401BD-2ABA-40E8-AA63-A04A1526DD2D}" type="datetimeFigureOut">
               <a:rPr lang="en-US" smtClean="0"/>
-              <a:t>6/6/2020</a:t>
+              <a:t>6/10/2020</a:t>
             </a:fld>
             <a:endParaRPr lang="en-US"/>
           </a:p>
@@ -2966,7 +2971,7 @@
       </p:grpSpPr>
       <p:pic>
         <p:nvPicPr>
-          <p:cNvPr id="4" name="Picture 3"/>
+          <p:cNvPr id="2" name="Picture 1"/>
           <p:cNvPicPr>
             <a:picLocks noChangeAspect="1"/>
           </p:cNvPicPr>
@@ -2980,13 +2985,13 @@
               </a:ext>
             </a:extLst>
           </a:blip>
-          <a:srcRect r="15620"/>
+          <a:srcRect r="15917"/>
           <a:stretch/>
         </p:blipFill>
         <p:spPr>
           <a:xfrm>
-            <a:off x="91395" y="249595"/>
-            <a:ext cx="12049399" cy="6538421"/>
+            <a:off x="796278" y="287046"/>
+            <a:ext cx="10827575" cy="6485388"/>
           </a:xfrm>
           <a:prstGeom prst="rect">
             <a:avLst/>
@@ -3001,8 +3006,8 @@
         </p:nvSpPr>
         <p:spPr>
           <a:xfrm>
-            <a:off x="446225" y="37183"/>
-            <a:ext cx="416968" cy="307777"/>
+            <a:off x="1148485" y="54393"/>
+            <a:ext cx="877826" cy="292388"/>
           </a:xfrm>
           <a:prstGeom prst="rect">
             <a:avLst/>
@@ -3015,15 +3020,14 @@
           </a:bodyPr>
           <a:lstStyle/>
           <a:p>
-            <a:pPr algn="ctr"/>
-            <a:r>
-              <a:rPr lang="en-US" sz="1400" b="1" dirty="0" smtClean="0">
+            <a:r>
+              <a:rPr lang="en-US" sz="1300" b="1" dirty="0" smtClean="0">
                 <a:latin typeface="Times New Roman" panose="02020603050405020304" pitchFamily="18" charset="0"/>
                 <a:cs typeface="Times New Roman" panose="02020603050405020304" pitchFamily="18" charset="0"/>
               </a:rPr>
-              <a:t>(a)</a:t>
-            </a:r>
-            <a:endParaRPr lang="en-US" sz="1400" b="1" dirty="0">
+              <a:t>Sculpin</a:t>
+            </a:r>
+            <a:endParaRPr lang="en-US" sz="1300" b="1" dirty="0">
               <a:latin typeface="Times New Roman" panose="02020603050405020304" pitchFamily="18" charset="0"/>
               <a:cs typeface="Times New Roman" panose="02020603050405020304" pitchFamily="18" charset="0"/>
             </a:endParaRPr>
@@ -3038,8 +3042,8 @@
         </p:nvSpPr>
         <p:spPr>
           <a:xfrm>
-            <a:off x="9909654" y="37790"/>
-            <a:ext cx="382831" cy="307777"/>
+            <a:off x="9620301" y="54393"/>
+            <a:ext cx="1893823" cy="292388"/>
           </a:xfrm>
           <a:prstGeom prst="rect">
             <a:avLst/>
@@ -3052,15 +3056,14 @@
           </a:bodyPr>
           <a:lstStyle/>
           <a:p>
-            <a:pPr algn="ctr"/>
-            <a:r>
-              <a:rPr lang="en-US" sz="1400" b="1" dirty="0" smtClean="0">
+            <a:r>
+              <a:rPr lang="en-US" sz="1300" b="1" dirty="0" smtClean="0">
                 <a:latin typeface="Times New Roman" panose="02020603050405020304" pitchFamily="18" charset="0"/>
                 <a:cs typeface="Times New Roman" panose="02020603050405020304" pitchFamily="18" charset="0"/>
               </a:rPr>
-              <a:t>(c)</a:t>
-            </a:r>
-            <a:endParaRPr lang="en-US" sz="1400" b="1" dirty="0">
+              <a:t>Southern Redbelly Dace</a:t>
+            </a:r>
+            <a:endParaRPr lang="en-US" sz="1300" b="1" dirty="0">
               <a:latin typeface="Times New Roman" panose="02020603050405020304" pitchFamily="18" charset="0"/>
               <a:cs typeface="Times New Roman" panose="02020603050405020304" pitchFamily="18" charset="0"/>
             </a:endParaRPr>
@@ -3075,8 +3078,8 @@
         </p:nvSpPr>
         <p:spPr>
           <a:xfrm>
-            <a:off x="5176720" y="37790"/>
-            <a:ext cx="419407" cy="307777"/>
+            <a:off x="5386569" y="54393"/>
+            <a:ext cx="1359733" cy="292388"/>
           </a:xfrm>
           <a:prstGeom prst="rect">
             <a:avLst/>
@@ -3089,15 +3092,14 @@
           </a:bodyPr>
           <a:lstStyle/>
           <a:p>
-            <a:pPr algn="ctr"/>
-            <a:r>
-              <a:rPr lang="en-US" sz="1400" b="1" dirty="0" smtClean="0">
+            <a:r>
+              <a:rPr lang="en-US" sz="1300" b="1" dirty="0" smtClean="0">
                 <a:latin typeface="Times New Roman" panose="02020603050405020304" pitchFamily="18" charset="0"/>
                 <a:cs typeface="Times New Roman" panose="02020603050405020304" pitchFamily="18" charset="0"/>
               </a:rPr>
-              <a:t>(b)</a:t>
-            </a:r>
-            <a:endParaRPr lang="en-US" sz="1400" b="1" dirty="0">
+              <a:t>Longnose Dace</a:t>
+            </a:r>
+            <a:endParaRPr lang="en-US" sz="1300" b="1" dirty="0">
               <a:latin typeface="Times New Roman" panose="02020603050405020304" pitchFamily="18" charset="0"/>
               <a:cs typeface="Times New Roman" panose="02020603050405020304" pitchFamily="18" charset="0"/>
             </a:endParaRPr>
@@ -3112,7 +3114,7 @@
         </p:nvSpPr>
         <p:spPr>
           <a:xfrm>
-            <a:off x="9406843" y="4371846"/>
+            <a:off x="9190149" y="4402802"/>
             <a:ext cx="109469" cy="200055"/>
           </a:xfrm>
           <a:prstGeom prst="rect">
@@ -3147,6 +3149,13 @@
   <p:clrMapOvr>
     <a:masterClrMapping/>
   </p:clrMapOvr>
+  <p:timing>
+    <p:tnLst>
+      <p:par>
+        <p:cTn id="1" dur="indefinite" restart="never" nodeType="tmRoot"/>
+      </p:par>
+    </p:tnLst>
+  </p:timing>
 </p:sld>
 </file>
 

--- a/graphics/Thesis/Chapter3/Figure3.pptx
+++ b/graphics/Thesis/Chapter3/Figure3.pptx
@@ -243,7 +243,7 @@
           <a:p>
             <a:fld id="{D6D401BD-2ABA-40E8-AA63-A04A1526DD2D}" type="datetimeFigureOut">
               <a:rPr lang="en-US" smtClean="0"/>
-              <a:t>6/10/2020</a:t>
+              <a:t>6/12/2020</a:t>
             </a:fld>
             <a:endParaRPr lang="en-US"/>
           </a:p>
@@ -413,7 +413,7 @@
           <a:p>
             <a:fld id="{D6D401BD-2ABA-40E8-AA63-A04A1526DD2D}" type="datetimeFigureOut">
               <a:rPr lang="en-US" smtClean="0"/>
-              <a:t>6/10/2020</a:t>
+              <a:t>6/12/2020</a:t>
             </a:fld>
             <a:endParaRPr lang="en-US"/>
           </a:p>
@@ -593,7 +593,7 @@
           <a:p>
             <a:fld id="{D6D401BD-2ABA-40E8-AA63-A04A1526DD2D}" type="datetimeFigureOut">
               <a:rPr lang="en-US" smtClean="0"/>
-              <a:t>6/10/2020</a:t>
+              <a:t>6/12/2020</a:t>
             </a:fld>
             <a:endParaRPr lang="en-US"/>
           </a:p>
@@ -763,7 +763,7 @@
           <a:p>
             <a:fld id="{D6D401BD-2ABA-40E8-AA63-A04A1526DD2D}" type="datetimeFigureOut">
               <a:rPr lang="en-US" smtClean="0"/>
-              <a:t>6/10/2020</a:t>
+              <a:t>6/12/2020</a:t>
             </a:fld>
             <a:endParaRPr lang="en-US"/>
           </a:p>
@@ -1009,7 +1009,7 @@
           <a:p>
             <a:fld id="{D6D401BD-2ABA-40E8-AA63-A04A1526DD2D}" type="datetimeFigureOut">
               <a:rPr lang="en-US" smtClean="0"/>
-              <a:t>6/10/2020</a:t>
+              <a:t>6/12/2020</a:t>
             </a:fld>
             <a:endParaRPr lang="en-US"/>
           </a:p>
@@ -1241,7 +1241,7 @@
           <a:p>
             <a:fld id="{D6D401BD-2ABA-40E8-AA63-A04A1526DD2D}" type="datetimeFigureOut">
               <a:rPr lang="en-US" smtClean="0"/>
-              <a:t>6/10/2020</a:t>
+              <a:t>6/12/2020</a:t>
             </a:fld>
             <a:endParaRPr lang="en-US"/>
           </a:p>
@@ -1608,7 +1608,7 @@
           <a:p>
             <a:fld id="{D6D401BD-2ABA-40E8-AA63-A04A1526DD2D}" type="datetimeFigureOut">
               <a:rPr lang="en-US" smtClean="0"/>
-              <a:t>6/10/2020</a:t>
+              <a:t>6/12/2020</a:t>
             </a:fld>
             <a:endParaRPr lang="en-US"/>
           </a:p>
@@ -1726,7 +1726,7 @@
           <a:p>
             <a:fld id="{D6D401BD-2ABA-40E8-AA63-A04A1526DD2D}" type="datetimeFigureOut">
               <a:rPr lang="en-US" smtClean="0"/>
-              <a:t>6/10/2020</a:t>
+              <a:t>6/12/2020</a:t>
             </a:fld>
             <a:endParaRPr lang="en-US"/>
           </a:p>
@@ -1821,7 +1821,7 @@
           <a:p>
             <a:fld id="{D6D401BD-2ABA-40E8-AA63-A04A1526DD2D}" type="datetimeFigureOut">
               <a:rPr lang="en-US" smtClean="0"/>
-              <a:t>6/10/2020</a:t>
+              <a:t>6/12/2020</a:t>
             </a:fld>
             <a:endParaRPr lang="en-US"/>
           </a:p>
@@ -2098,7 +2098,7 @@
           <a:p>
             <a:fld id="{D6D401BD-2ABA-40E8-AA63-A04A1526DD2D}" type="datetimeFigureOut">
               <a:rPr lang="en-US" smtClean="0"/>
-              <a:t>6/10/2020</a:t>
+              <a:t>6/12/2020</a:t>
             </a:fld>
             <a:endParaRPr lang="en-US"/>
           </a:p>
@@ -2351,7 +2351,7 @@
           <a:p>
             <a:fld id="{D6D401BD-2ABA-40E8-AA63-A04A1526DD2D}" type="datetimeFigureOut">
               <a:rPr lang="en-US" smtClean="0"/>
-              <a:t>6/10/2020</a:t>
+              <a:t>6/12/2020</a:t>
             </a:fld>
             <a:endParaRPr lang="en-US"/>
           </a:p>
@@ -2564,7 +2564,7 @@
           <a:p>
             <a:fld id="{D6D401BD-2ABA-40E8-AA63-A04A1526DD2D}" type="datetimeFigureOut">
               <a:rPr lang="en-US" smtClean="0"/>
-              <a:t>6/10/2020</a:t>
+              <a:t>6/12/2020</a:t>
             </a:fld>
             <a:endParaRPr lang="en-US"/>
           </a:p>
@@ -3139,6 +3139,58 @@
           </a:p>
         </p:txBody>
       </p:sp>
+      <p:sp>
+        <p:nvSpPr>
+          <p:cNvPr id="3" name="TextBox 2"/>
+          <p:cNvSpPr txBox="1"/>
+          <p:nvPr/>
+        </p:nvSpPr>
+        <p:spPr>
+          <a:xfrm rot="16200000">
+            <a:off x="-275399" y="3383546"/>
+            <a:ext cx="2245767" cy="292388"/>
+          </a:xfrm>
+          <a:prstGeom prst="rect">
+            <a:avLst/>
+          </a:prstGeom>
+          <a:solidFill>
+            <a:schemeClr val="bg1"/>
+          </a:solidFill>
+        </p:spPr>
+        <p:txBody>
+          <a:bodyPr wrap="square" rtlCol="0">
+            <a:spAutoFit/>
+          </a:bodyPr>
+          <a:lstStyle/>
+          <a:p>
+            <a:r>
+              <a:rPr lang="en-US" sz="1300" b="1" dirty="0" smtClean="0">
+                <a:latin typeface="Times New Roman" panose="02020603050405020304" pitchFamily="18" charset="0"/>
+                <a:cs typeface="Times New Roman" panose="02020603050405020304" pitchFamily="18" charset="0"/>
+              </a:rPr>
+              <a:t>Occupancy Probability (</a:t>
+            </a:r>
+            <a:r>
+              <a:rPr lang="el-GR" sz="1300" b="1" dirty="0" smtClean="0">
+                <a:latin typeface="Times New Roman" panose="02020603050405020304" pitchFamily="18" charset="0"/>
+                <a:cs typeface="Times New Roman" panose="02020603050405020304" pitchFamily="18" charset="0"/>
+              </a:rPr>
+              <a:t>Ψ</a:t>
+            </a:r>
+            <a:r>
+              <a:rPr lang="en-US" sz="1300" b="1" dirty="0" smtClean="0">
+                <a:latin typeface="Times New Roman" panose="02020603050405020304" pitchFamily="18" charset="0"/>
+                <a:cs typeface="Times New Roman" panose="02020603050405020304" pitchFamily="18" charset="0"/>
+              </a:rPr>
+              <a:t>)</a:t>
+            </a:r>
+            <a:endParaRPr lang="en-US" sz="1300" b="1" dirty="0">
+              <a:latin typeface="Times New Roman" panose="02020603050405020304" pitchFamily="18" charset="0"/>
+              <a:cs typeface="Times New Roman" panose="02020603050405020304" pitchFamily="18" charset="0"/>
+            </a:endParaRPr>
+          </a:p>
+        </p:txBody>
+      </p:sp>
     </p:spTree>
     <p:extLst>
       <p:ext uri="{BB962C8B-B14F-4D97-AF65-F5344CB8AC3E}">
